--- a/Document/slide bao cao.pptx
+++ b/Document/slide bao cao.pptx
@@ -1075,6 +1075,13 @@
         </dgm:presLayoutVars>
       </dgm:prSet>
       <dgm:spPr/>
+      <dgm:t>
+        <a:bodyPr/>
+        <a:lstStyle/>
+        <a:p>
+          <a:endParaRPr lang="en-US"/>
+        </a:p>
+      </dgm:t>
     </dgm:pt>
     <dgm:pt modelId="{198B440A-B407-4485-9ADB-36F5C7343804}" type="pres">
       <dgm:prSet presAssocID="{90F2FFC1-7A91-4B92-A1EA-BE602CF787E1}" presName="horFlow" presStyleCnt="0"/>
@@ -1150,15 +1157,15 @@
     </dgm:pt>
   </dgm:ptLst>
   <dgm:cxnLst>
+    <dgm:cxn modelId="{8C2EE355-888F-4894-A189-B98BBEA0346C}" srcId="{2C77E775-18D9-45BA-A386-61F04D695233}" destId="{4B3D31C2-E85D-4680-A564-7F69BCAE4E35}" srcOrd="3" destOrd="0" parTransId="{CB09FCFE-C323-4632-A2E1-0E35AC788032}" sibTransId="{ABC80956-87A9-4C6C-8F0F-BE35C60116F2}"/>
+    <dgm:cxn modelId="{8A4F94D5-5CA2-438D-A66C-1F4DFEA9D7A0}" srcId="{2C77E775-18D9-45BA-A386-61F04D695233}" destId="{4DF5430E-C85B-4A89-865C-C78CCB0D07E6}" srcOrd="1" destOrd="0" parTransId="{355D81B4-351A-4D9C-9603-DD52ADE93826}" sibTransId="{8AD34C52-DB30-437C-A697-C2354C018DF0}"/>
     <dgm:cxn modelId="{02D95F92-8960-4342-B76F-EB3A5291CA18}" type="presOf" srcId="{90F2FFC1-7A91-4B92-A1EA-BE602CF787E1}" destId="{2B5B1D4C-89E4-4043-BCEB-FCC7885FCCCB}" srcOrd="0" destOrd="0" presId="urn:microsoft.com/office/officeart/2005/8/layout/lProcess3"/>
+    <dgm:cxn modelId="{ED2AC1FF-BDF8-44CE-BCB2-C6A3C33605C2}" type="presOf" srcId="{2C77E775-18D9-45BA-A386-61F04D695233}" destId="{2F7D4B31-992C-4A04-9222-0DE1C1535096}" srcOrd="0" destOrd="0" presId="urn:microsoft.com/office/officeart/2005/8/layout/lProcess3"/>
+    <dgm:cxn modelId="{700C01E9-5635-4CED-8AA7-9B9EEAE34E21}" type="presOf" srcId="{0C013147-EB1A-4164-96BD-F60D768A9010}" destId="{1AE6A859-5440-4404-8A60-4E3831732BD0}" srcOrd="0" destOrd="0" presId="urn:microsoft.com/office/officeart/2005/8/layout/lProcess3"/>
     <dgm:cxn modelId="{EF047B16-0229-48B0-BF3F-AAEC3DA2BBF9}" srcId="{2C77E775-18D9-45BA-A386-61F04D695233}" destId="{0C013147-EB1A-4164-96BD-F60D768A9010}" srcOrd="2" destOrd="0" parTransId="{9DDC46F8-B60D-4E23-8CCC-2F4719DB3009}" sibTransId="{B6F9A762-0ED1-428E-ACB9-C41D833A050A}"/>
+    <dgm:cxn modelId="{0D69BC50-6AF4-4006-B73C-192A5567C57C}" srcId="{2C77E775-18D9-45BA-A386-61F04D695233}" destId="{90F2FFC1-7A91-4B92-A1EA-BE602CF787E1}" srcOrd="0" destOrd="0" parTransId="{634D610C-F06E-45BF-8588-846B3D704D79}" sibTransId="{049EE226-ACC4-436C-B723-AEC0245F4FBF}"/>
+    <dgm:cxn modelId="{64C42B9B-6A45-4B76-923E-08982B958161}" type="presOf" srcId="{4B3D31C2-E85D-4680-A564-7F69BCAE4E35}" destId="{7CEF8839-C5A6-4501-AED9-7763F14DD1F4}" srcOrd="0" destOrd="0" presId="urn:microsoft.com/office/officeart/2005/8/layout/lProcess3"/>
     <dgm:cxn modelId="{61697824-139C-4C4C-84DE-3A12CA7573DC}" type="presOf" srcId="{4DF5430E-C85B-4A89-865C-C78CCB0D07E6}" destId="{F2BF18CC-472A-40C5-AFA8-EEA817C294C0}" srcOrd="0" destOrd="0" presId="urn:microsoft.com/office/officeart/2005/8/layout/lProcess3"/>
-    <dgm:cxn modelId="{0D69BC50-6AF4-4006-B73C-192A5567C57C}" srcId="{2C77E775-18D9-45BA-A386-61F04D695233}" destId="{90F2FFC1-7A91-4B92-A1EA-BE602CF787E1}" srcOrd="0" destOrd="0" parTransId="{634D610C-F06E-45BF-8588-846B3D704D79}" sibTransId="{049EE226-ACC4-436C-B723-AEC0245F4FBF}"/>
-    <dgm:cxn modelId="{700C01E9-5635-4CED-8AA7-9B9EEAE34E21}" type="presOf" srcId="{0C013147-EB1A-4164-96BD-F60D768A9010}" destId="{1AE6A859-5440-4404-8A60-4E3831732BD0}" srcOrd="0" destOrd="0" presId="urn:microsoft.com/office/officeart/2005/8/layout/lProcess3"/>
-    <dgm:cxn modelId="{64C42B9B-6A45-4B76-923E-08982B958161}" type="presOf" srcId="{4B3D31C2-E85D-4680-A564-7F69BCAE4E35}" destId="{7CEF8839-C5A6-4501-AED9-7763F14DD1F4}" srcOrd="0" destOrd="0" presId="urn:microsoft.com/office/officeart/2005/8/layout/lProcess3"/>
-    <dgm:cxn modelId="{8A4F94D5-5CA2-438D-A66C-1F4DFEA9D7A0}" srcId="{2C77E775-18D9-45BA-A386-61F04D695233}" destId="{4DF5430E-C85B-4A89-865C-C78CCB0D07E6}" srcOrd="1" destOrd="0" parTransId="{355D81B4-351A-4D9C-9603-DD52ADE93826}" sibTransId="{8AD34C52-DB30-437C-A697-C2354C018DF0}"/>
-    <dgm:cxn modelId="{8C2EE355-888F-4894-A189-B98BBEA0346C}" srcId="{2C77E775-18D9-45BA-A386-61F04D695233}" destId="{4B3D31C2-E85D-4680-A564-7F69BCAE4E35}" srcOrd="3" destOrd="0" parTransId="{CB09FCFE-C323-4632-A2E1-0E35AC788032}" sibTransId="{ABC80956-87A9-4C6C-8F0F-BE35C60116F2}"/>
-    <dgm:cxn modelId="{ED2AC1FF-BDF8-44CE-BCB2-C6A3C33605C2}" type="presOf" srcId="{2C77E775-18D9-45BA-A386-61F04D695233}" destId="{2F7D4B31-992C-4A04-9222-0DE1C1535096}" srcOrd="0" destOrd="0" presId="urn:microsoft.com/office/officeart/2005/8/layout/lProcess3"/>
     <dgm:cxn modelId="{19ED5B57-17D0-440E-8ED6-609D5776CA01}" type="presParOf" srcId="{2F7D4B31-992C-4A04-9222-0DE1C1535096}" destId="{198B440A-B407-4485-9ADB-36F5C7343804}" srcOrd="0" destOrd="0" presId="urn:microsoft.com/office/officeart/2005/8/layout/lProcess3"/>
     <dgm:cxn modelId="{B3F37D83-9019-422A-8BA5-B395928A328F}" type="presParOf" srcId="{198B440A-B407-4485-9ADB-36F5C7343804}" destId="{2B5B1D4C-89E4-4043-BCEB-FCC7885FCCCB}" srcOrd="0" destOrd="0" presId="urn:microsoft.com/office/officeart/2005/8/layout/lProcess3"/>
     <dgm:cxn modelId="{B1DF8C7D-5449-40BD-899B-1DE35391B238}" type="presParOf" srcId="{2F7D4B31-992C-4A04-9222-0DE1C1535096}" destId="{00145A0A-6FBD-44AB-96B3-C06B99883235}" srcOrd="1" destOrd="0" presId="urn:microsoft.com/office/officeart/2005/8/layout/lProcess3"/>
@@ -2884,7 +2891,7 @@
           <a:p>
             <a:fld id="{1508F49F-B860-4D60-A076-E89CD3BFCAB7}" type="datetimeFigureOut">
               <a:rPr lang="en-US" smtClean="0"/>
-              <a:t>1/22/2013</a:t>
+              <a:t>1/23/2013</a:t>
             </a:fld>
             <a:endParaRPr lang="en-US"/>
           </a:p>
@@ -3058,7 +3065,7 @@
           <a:p>
             <a:fld id="{6A7E2CC4-B177-42DE-8492-040F99018DD2}" type="datetimeFigureOut">
               <a:rPr lang="en-US" smtClean="0"/>
-              <a:t>1/22/2013</a:t>
+              <a:t>1/23/2013</a:t>
             </a:fld>
             <a:endParaRPr lang="en-US"/>
           </a:p>
@@ -16602,7 +16609,190 @@
           <a:bodyPr/>
           <a:lstStyle/>
           <a:p>
-            <a:endParaRPr lang="en-US"/>
+            <a:r>
+              <a:rPr lang="en-US" dirty="0" err="1" smtClean="0"/>
+              <a:t>Nó</a:t>
+            </a:r>
+            <a:r>
+              <a:rPr lang="en-US" dirty="0" smtClean="0"/>
+              <a:t> </a:t>
+            </a:r>
+            <a:r>
+              <a:rPr lang="en-US" dirty="0" err="1" smtClean="0"/>
+              <a:t>là</a:t>
+            </a:r>
+            <a:r>
+              <a:rPr lang="en-US" dirty="0" smtClean="0"/>
+              <a:t> 1 </a:t>
+            </a:r>
+            <a:r>
+              <a:rPr lang="en-US" dirty="0" err="1" smtClean="0"/>
+              <a:t>csdl</a:t>
+            </a:r>
+            <a:r>
+              <a:rPr lang="en-US" dirty="0" smtClean="0"/>
+              <a:t> open source </a:t>
+            </a:r>
+            <a:r>
+              <a:rPr lang="en-US" dirty="0" err="1" smtClean="0"/>
+              <a:t>thiết</a:t>
+            </a:r>
+            <a:r>
+              <a:rPr lang="en-US" dirty="0" smtClean="0"/>
+              <a:t> </a:t>
+            </a:r>
+            <a:r>
+              <a:rPr lang="en-US" dirty="0" err="1" smtClean="0"/>
+              <a:t>kế</a:t>
+            </a:r>
+            <a:r>
+              <a:rPr lang="en-US" dirty="0" smtClean="0"/>
+              <a:t> </a:t>
+            </a:r>
+            <a:r>
+              <a:rPr lang="en-US" dirty="0" err="1" smtClean="0"/>
+              <a:t>cho</a:t>
+            </a:r>
+            <a:r>
+              <a:rPr lang="en-US" dirty="0" smtClean="0"/>
+              <a:t> </a:t>
+            </a:r>
+            <a:r>
+              <a:rPr lang="en-US" dirty="0" err="1" smtClean="0"/>
+              <a:t>.net</a:t>
+            </a:r>
+            <a:r>
+              <a:rPr lang="en-US" dirty="0" smtClean="0"/>
+              <a:t>, </a:t>
+            </a:r>
+            <a:r>
+              <a:rPr lang="en-US" dirty="0" err="1" smtClean="0"/>
+              <a:t>có</a:t>
+            </a:r>
+            <a:r>
+              <a:rPr lang="en-US" dirty="0" smtClean="0"/>
+              <a:t> connect </a:t>
+            </a:r>
+            <a:r>
+              <a:rPr lang="en-US" dirty="0" err="1" smtClean="0"/>
+              <a:t>api</a:t>
+            </a:r>
+            <a:r>
+              <a:rPr lang="en-US" dirty="0" smtClean="0"/>
+              <a:t>, http, </a:t>
+            </a:r>
+            <a:r>
+              <a:rPr lang="en-US" dirty="0" err="1" smtClean="0"/>
+              <a:t>có</a:t>
+            </a:r>
+            <a:r>
+              <a:rPr lang="en-US" dirty="0" smtClean="0"/>
+              <a:t> studio……</a:t>
+            </a:r>
+          </a:p>
+          <a:p>
+            <a:r>
+              <a:rPr lang="en-US" dirty="0" err="1" smtClean="0"/>
+              <a:t>RavenDB</a:t>
+            </a:r>
+            <a:r>
+              <a:rPr lang="en-US" dirty="0" smtClean="0"/>
+              <a:t> </a:t>
+            </a:r>
+            <a:r>
+              <a:rPr lang="en-US" dirty="0" err="1" smtClean="0"/>
+              <a:t>mạnh</a:t>
+            </a:r>
+            <a:r>
+              <a:rPr lang="en-US" dirty="0" smtClean="0"/>
+              <a:t> </a:t>
+            </a:r>
+            <a:r>
+              <a:rPr lang="en-US" dirty="0" err="1" smtClean="0"/>
+              <a:t>trong</a:t>
+            </a:r>
+            <a:r>
+              <a:rPr lang="en-US" dirty="0" smtClean="0"/>
+              <a:t> case </a:t>
+            </a:r>
+            <a:r>
+              <a:rPr lang="en-US" dirty="0" err="1" smtClean="0"/>
+              <a:t>nào</a:t>
+            </a:r>
+            <a:r>
+              <a:rPr lang="en-US" dirty="0" smtClean="0"/>
+              <a:t> ? </a:t>
+            </a:r>
+          </a:p>
+          <a:p>
+            <a:r>
+              <a:rPr lang="en-US" dirty="0" smtClean="0"/>
+              <a:t>So </a:t>
+            </a:r>
+            <a:r>
+              <a:rPr lang="en-US" dirty="0" err="1" smtClean="0"/>
+              <a:t>sánh</a:t>
+            </a:r>
+            <a:r>
+              <a:rPr lang="en-US" dirty="0" smtClean="0"/>
+              <a:t> </a:t>
+            </a:r>
+            <a:r>
+              <a:rPr lang="en-US" dirty="0" err="1" smtClean="0"/>
+              <a:t>với</a:t>
+            </a:r>
+            <a:r>
+              <a:rPr lang="en-US" dirty="0" smtClean="0"/>
+              <a:t> </a:t>
+            </a:r>
+            <a:r>
+              <a:rPr lang="en-US" dirty="0" err="1" smtClean="0"/>
+              <a:t>mssql</a:t>
+            </a:r>
+            <a:endParaRPr lang="en-US" dirty="0"/>
+          </a:p>
+          <a:p>
+            <a:r>
+              <a:rPr lang="en-US" dirty="0" smtClean="0"/>
+              <a:t>So </a:t>
+            </a:r>
+            <a:r>
+              <a:rPr lang="en-US" dirty="0" err="1" smtClean="0"/>
+              <a:t>sánh</a:t>
+            </a:r>
+            <a:r>
+              <a:rPr lang="en-US" dirty="0" smtClean="0"/>
+              <a:t> </a:t>
+            </a:r>
+            <a:r>
+              <a:rPr lang="en-US" dirty="0" err="1" smtClean="0"/>
+              <a:t>với</a:t>
+            </a:r>
+            <a:r>
+              <a:rPr lang="en-US" dirty="0" smtClean="0"/>
+              <a:t> </a:t>
+            </a:r>
+            <a:r>
+              <a:rPr lang="en-US" dirty="0" err="1" smtClean="0"/>
+              <a:t>csdl</a:t>
+            </a:r>
+            <a:r>
+              <a:rPr lang="en-US" dirty="0" smtClean="0"/>
+              <a:t> </a:t>
+            </a:r>
+            <a:r>
+              <a:rPr lang="en-US" dirty="0" err="1" smtClean="0"/>
+              <a:t>nosql</a:t>
+            </a:r>
+            <a:r>
+              <a:rPr lang="en-US" dirty="0" smtClean="0"/>
+              <a:t> </a:t>
+            </a:r>
+            <a:r>
+              <a:rPr lang="en-US" dirty="0" err="1" smtClean="0"/>
+              <a:t>khác</a:t>
+            </a:r>
+            <a:endParaRPr lang="en-US" dirty="0"/>
           </a:p>
         </p:txBody>
       </p:sp>
@@ -21203,7 +21393,6 @@
               <a:rPr lang="en-US" sz="2000" dirty="0"/>
               <a:t> </a:t>
             </a:r>
-            <a:endParaRPr lang="en-US" sz="2000" dirty="0"/>
           </a:p>
         </p:txBody>
       </p:sp>
@@ -22849,7 +23038,6 @@
               <a:rPr lang="en-US" sz="2000" dirty="0"/>
               <a:t> Website</a:t>
             </a:r>
-            <a:endParaRPr lang="en-US" sz="2000" dirty="0"/>
           </a:p>
         </p:txBody>
       </p:sp>
@@ -29261,7 +29449,7 @@
         <p:spPr>
           <a:xfrm>
             <a:off x="1981200" y="5798993"/>
-            <a:ext cx="5643563" cy="369332"/>
+            <a:ext cx="5643563" cy="646331"/>
           </a:xfrm>
           <a:prstGeom prst="rect">
             <a:avLst/>
@@ -29279,8 +29467,27 @@
             </a:r>
             <a:r>
               <a:rPr lang="en-US" dirty="0"/>
-              <a:t> vs. SQL Server 2008 Performance Showdown</a:t>
-            </a:r>
+              <a:t> vs. SQL Server 2008 Performance </a:t>
+            </a:r>
+            <a:r>
+              <a:rPr lang="en-US" dirty="0" smtClean="0"/>
+              <a:t>Showdown</a:t>
+            </a:r>
+          </a:p>
+          <a:p>
+            <a:r>
+              <a:rPr lang="en-US" dirty="0" smtClean="0"/>
+              <a:t>(</a:t>
+            </a:r>
+            <a:r>
+              <a:rPr lang="en-US" dirty="0" err="1" smtClean="0"/>
+              <a:t>ngồn</a:t>
+            </a:r>
+            <a:r>
+              <a:rPr lang="en-US" dirty="0" smtClean="0"/>
+              <a:t>)</a:t>
+            </a:r>
+            <a:endParaRPr lang="en-US" dirty="0"/>
           </a:p>
         </p:txBody>
       </p:sp>
@@ -31513,7 +31720,6 @@
               <a:rPr lang="en-US" sz="2400" dirty="0"/>
               <a:t> Cassandra</a:t>
             </a:r>
-            <a:endParaRPr lang="en-US" sz="2400" dirty="0"/>
           </a:p>
         </p:txBody>
       </p:sp>

--- a/Document/slide bao cao.pptx
+++ b/Document/slide bao cao.pptx
@@ -143,7 +143,7 @@
   </p:defaultTextStyle>
   <p:extLst>
     <p:ext uri="{EFAFB233-063F-42B5-8137-9DF3F51BA10A}">
-      <p15:sldGuideLst xmlns:p15="http://schemas.microsoft.com/office/powerpoint/2012/main">
+      <p15:sldGuideLst xmlns:p15="http://schemas.microsoft.com/office/powerpoint/2012/main" xmlns="">
         <p15:guide id="1" orient="horz" pos="2160">
           <p15:clr>
             <a:srgbClr val="A4A3A4"/>
@@ -2913,7 +2913,7 @@
           <a:p>
             <a:fld id="{1508F49F-B860-4D60-A076-E89CD3BFCAB7}" type="datetimeFigureOut">
               <a:rPr lang="en-US" smtClean="0"/>
-              <a:t>1/24/2013</a:t>
+              <a:t>1/25/2013</a:t>
             </a:fld>
             <a:endParaRPr lang="en-US"/>
           </a:p>
@@ -3087,7 +3087,7 @@
           <a:p>
             <a:fld id="{6A7E2CC4-B177-42DE-8492-040F99018DD2}" type="datetimeFigureOut">
               <a:rPr lang="en-US" smtClean="0"/>
-              <a:t>1/24/2013</a:t>
+              <a:t>1/25/2013</a:t>
             </a:fld>
             <a:endParaRPr lang="en-US"/>
           </a:p>
@@ -53517,27 +53517,11 @@
           <a:lstStyle/>
           <a:p>
             <a:r>
-              <a:rPr lang="en-US" dirty="0" err="1"/>
-              <a:t>Tìm</a:t>
-            </a:r>
-            <a:r>
-              <a:rPr lang="en-US" dirty="0"/>
-              <a:t> </a:t>
-            </a:r>
-            <a:r>
-              <a:rPr lang="en-US" dirty="0" err="1"/>
-              <a:t>hiểu</a:t>
-            </a:r>
-            <a:r>
-              <a:rPr lang="en-US" dirty="0"/>
-              <a:t> </a:t>
-            </a:r>
-            <a:r>
-              <a:rPr lang="en-US" dirty="0" err="1"/>
+              <a:rPr lang="en-US" dirty="0" err="1" smtClean="0"/>
               <a:t>NoSQL</a:t>
             </a:r>
             <a:r>
-              <a:rPr lang="en-US" dirty="0"/>
+              <a:rPr lang="en-US" dirty="0" smtClean="0"/>
               <a:t>, </a:t>
             </a:r>
             <a:r>
@@ -53549,25 +53533,12 @@
               <a:t> </a:t>
             </a:r>
             <a:r>
-              <a:rPr lang="en-US" dirty="0" err="1"/>
+              <a:rPr lang="en-US" dirty="0" err="1" smtClean="0"/>
               <a:t>trúc</a:t>
             </a:r>
             <a:r>
               <a:rPr lang="en-US" dirty="0" smtClean="0"/>
-              <a:t>,</a:t>
-            </a:r>
-          </a:p>
-          <a:p>
-            <a:pPr marL="0" indent="0">
-              <a:buNone/>
-            </a:pPr>
-            <a:r>
-              <a:rPr lang="en-US" dirty="0"/>
-              <a:t> </a:t>
-            </a:r>
-            <a:r>
-              <a:rPr lang="en-US" dirty="0" smtClean="0"/>
-              <a:t>   </a:t>
+              <a:t>, </a:t>
             </a:r>
             <a:r>
               <a:rPr lang="en-US" dirty="0" err="1" smtClean="0"/>
@@ -53578,102 +53549,22 @@
               <a:t> </a:t>
             </a:r>
             <a:r>
-              <a:rPr lang="en-US" dirty="0" err="1"/>
+              <a:rPr lang="en-US" dirty="0" err="1" smtClean="0"/>
               <a:t>loại</a:t>
-            </a:r>
-            <a:r>
-              <a:rPr lang="en-US" dirty="0"/>
-              <a:t> </a:t>
-            </a:r>
-            <a:r>
-              <a:rPr lang="en-US" dirty="0" err="1" smtClean="0"/>
-              <a:t>và</a:t>
-            </a:r>
-            <a:r>
-              <a:rPr lang="en-US" dirty="0" smtClean="0"/>
-              <a:t> </a:t>
-            </a:r>
-            <a:r>
-              <a:rPr lang="en-US" dirty="0" err="1"/>
-              <a:t>đặc</a:t>
-            </a:r>
-            <a:r>
-              <a:rPr lang="en-US" dirty="0"/>
-              <a:t> </a:t>
-            </a:r>
-            <a:r>
-              <a:rPr lang="en-US" dirty="0" err="1"/>
-              <a:t>điểm</a:t>
-            </a:r>
-            <a:r>
-              <a:rPr lang="en-US" dirty="0"/>
-              <a:t> </a:t>
-            </a:r>
-            <a:r>
-              <a:rPr lang="en-US" dirty="0" err="1"/>
-              <a:t>của</a:t>
-            </a:r>
-            <a:r>
-              <a:rPr lang="en-US" dirty="0"/>
-              <a:t> </a:t>
-            </a:r>
-            <a:r>
-              <a:rPr lang="en-US" dirty="0" err="1"/>
-              <a:t>từng</a:t>
-            </a:r>
-            <a:r>
-              <a:rPr lang="en-US" dirty="0"/>
-              <a:t> </a:t>
-            </a:r>
-            <a:r>
-              <a:rPr lang="en-US" dirty="0" err="1"/>
-              <a:t>loại</a:t>
-            </a:r>
-            <a:r>
-              <a:rPr lang="en-US" dirty="0"/>
-              <a:t> </a:t>
             </a:r>
             <a:endParaRPr lang="en-US" dirty="0" smtClean="0"/>
           </a:p>
           <a:p>
             <a:r>
               <a:rPr lang="en-US" dirty="0" err="1"/>
-              <a:t>Tìm</a:t>
-            </a:r>
-            <a:r>
-              <a:rPr lang="en-US" dirty="0"/>
-              <a:t> </a:t>
-            </a:r>
-            <a:r>
-              <a:rPr lang="en-US" dirty="0" err="1"/>
-              <a:t>hiểu</a:t>
-            </a:r>
-            <a:r>
-              <a:rPr lang="en-US" dirty="0"/>
-              <a:t> </a:t>
-            </a:r>
-            <a:r>
-              <a:rPr lang="en-US" dirty="0" err="1"/>
-              <a:t>trường</a:t>
-            </a:r>
-            <a:r>
-              <a:rPr lang="en-US" dirty="0"/>
-              <a:t> </a:t>
-            </a:r>
-            <a:r>
-              <a:rPr lang="en-US" dirty="0" err="1"/>
-              <a:t>hợp</a:t>
-            </a:r>
-            <a:r>
-              <a:rPr lang="en-US" dirty="0"/>
-              <a:t> </a:t>
-            </a:r>
-            <a:r>
-              <a:rPr lang="en-US" dirty="0" err="1"/>
-              <a:t>áp</a:t>
-            </a:r>
-            <a:r>
-              <a:rPr lang="en-US" dirty="0"/>
+              <a:t>Á</a:t>
+            </a:r>
+            <a:r>
+              <a:rPr lang="en-US" dirty="0" err="1" smtClean="0"/>
+              <a:t>p</a:t>
+            </a:r>
+            <a:r>
+              <a:rPr lang="en-US" dirty="0" smtClean="0"/>
               <a:t> </a:t>
             </a:r>
             <a:r>
@@ -53725,110 +53616,26 @@
               <a:t> </a:t>
             </a:r>
             <a:r>
-              <a:rPr lang="en-US" dirty="0" err="1"/>
+              <a:rPr lang="en-US" dirty="0" err="1" smtClean="0"/>
               <a:t>NoSQL</a:t>
-            </a:r>
-            <a:r>
-              <a:rPr lang="en-US" dirty="0"/>
-              <a:t>, </a:t>
-            </a:r>
-            <a:r>
-              <a:rPr lang="en-US" dirty="0" err="1"/>
-              <a:t>trường</a:t>
-            </a:r>
-            <a:r>
-              <a:rPr lang="en-US" dirty="0"/>
-              <a:t> </a:t>
-            </a:r>
-            <a:r>
-              <a:rPr lang="en-US" dirty="0" err="1"/>
-              <a:t>hợp</a:t>
-            </a:r>
-            <a:r>
-              <a:rPr lang="en-US" dirty="0"/>
-              <a:t> </a:t>
-            </a:r>
-            <a:r>
-              <a:rPr lang="en-US" dirty="0" err="1"/>
-              <a:t>nào</a:t>
-            </a:r>
-            <a:r>
-              <a:rPr lang="en-US" dirty="0"/>
-              <a:t> </a:t>
-            </a:r>
-            <a:r>
-              <a:rPr lang="en-US" dirty="0" err="1"/>
-              <a:t>không</a:t>
-            </a:r>
-            <a:r>
-              <a:rPr lang="en-US" dirty="0"/>
-              <a:t> </a:t>
-            </a:r>
-            <a:r>
-              <a:rPr lang="en-US" dirty="0" err="1"/>
-              <a:t>phù</a:t>
-            </a:r>
-            <a:r>
-              <a:rPr lang="en-US" dirty="0"/>
-              <a:t> </a:t>
-            </a:r>
-            <a:r>
-              <a:rPr lang="en-US" dirty="0" err="1"/>
-              <a:t>hợp</a:t>
-            </a:r>
-            <a:r>
-              <a:rPr lang="en-US" dirty="0"/>
-              <a:t> </a:t>
-            </a:r>
-            <a:r>
-              <a:rPr lang="en-US" dirty="0" err="1"/>
-              <a:t>với</a:t>
-            </a:r>
-            <a:r>
-              <a:rPr lang="en-US" dirty="0"/>
-              <a:t> </a:t>
-            </a:r>
-            <a:r>
-              <a:rPr lang="en-US" dirty="0" err="1"/>
-              <a:t>NoSQL</a:t>
-            </a:r>
-            <a:r>
-              <a:rPr lang="en-US" dirty="0"/>
-              <a:t>. </a:t>
             </a:r>
             <a:endParaRPr lang="en-US" dirty="0" smtClean="0"/>
           </a:p>
           <a:p>
             <a:r>
-              <a:rPr lang="en-US" dirty="0" err="1"/>
-              <a:t>Tìm</a:t>
-            </a:r>
-            <a:r>
-              <a:rPr lang="en-US" dirty="0"/>
-              <a:t> </a:t>
-            </a:r>
-            <a:r>
-              <a:rPr lang="en-US" dirty="0" err="1"/>
-              <a:t>hiểu</a:t>
-            </a:r>
-            <a:r>
-              <a:rPr lang="en-US" dirty="0"/>
-              <a:t> </a:t>
-            </a:r>
-            <a:r>
-              <a:rPr lang="en-US" dirty="0" err="1"/>
-              <a:t>cách</a:t>
-            </a:r>
-            <a:r>
-              <a:rPr lang="en-US" dirty="0"/>
-              <a:t> </a:t>
-            </a:r>
-            <a:r>
-              <a:rPr lang="en-US" dirty="0" err="1"/>
+              <a:rPr lang="en-US" dirty="0" err="1" smtClean="0"/>
+              <a:t>Cách</a:t>
+            </a:r>
+            <a:r>
+              <a:rPr lang="en-US" dirty="0" smtClean="0"/>
+              <a:t> </a:t>
+            </a:r>
+            <a:r>
+              <a:rPr lang="en-US" dirty="0" err="1" smtClean="0"/>
               <a:t>thiết</a:t>
             </a:r>
             <a:r>
-              <a:rPr lang="en-US" dirty="0"/>
+              <a:rPr lang="en-US" dirty="0" smtClean="0"/>
               <a:t> </a:t>
             </a:r>
             <a:r>
@@ -53840,19 +53647,11 @@
               <a:t> </a:t>
             </a:r>
             <a:r>
-              <a:rPr lang="en-US" dirty="0" err="1"/>
-              <a:t>một</a:t>
-            </a:r>
-            <a:r>
-              <a:rPr lang="en-US" dirty="0"/>
-              <a:t> </a:t>
-            </a:r>
-            <a:r>
-              <a:rPr lang="en-US" dirty="0" err="1"/>
+              <a:rPr lang="en-US" dirty="0" err="1" smtClean="0"/>
               <a:t>cơ</a:t>
             </a:r>
             <a:r>
-              <a:rPr lang="en-US" dirty="0"/>
+              <a:rPr lang="en-US" dirty="0" smtClean="0"/>
               <a:t> </a:t>
             </a:r>
             <a:r>
@@ -53990,75 +53789,11 @@
           </a:p>
           <a:p>
             <a:r>
-              <a:rPr lang="en-US" dirty="0" err="1"/>
-              <a:t>Sử</a:t>
-            </a:r>
-            <a:r>
-              <a:rPr lang="en-US" dirty="0"/>
-              <a:t> </a:t>
-            </a:r>
-            <a:r>
-              <a:rPr lang="en-US" dirty="0" err="1"/>
-              <a:t>dụng</a:t>
-            </a:r>
-            <a:r>
-              <a:rPr lang="en-US" dirty="0"/>
-              <a:t> </a:t>
-            </a:r>
-            <a:r>
-              <a:rPr lang="en-US" dirty="0" err="1"/>
-              <a:t>các</a:t>
-            </a:r>
-            <a:r>
-              <a:rPr lang="en-US" dirty="0"/>
-              <a:t> </a:t>
-            </a:r>
-            <a:r>
-              <a:rPr lang="en-US" dirty="0" err="1"/>
-              <a:t>kiến</a:t>
-            </a:r>
-            <a:r>
-              <a:rPr lang="en-US" dirty="0"/>
-              <a:t> </a:t>
-            </a:r>
-            <a:r>
-              <a:rPr lang="en-US" dirty="0" err="1"/>
-              <a:t>thức</a:t>
-            </a:r>
-            <a:r>
-              <a:rPr lang="en-US" dirty="0"/>
-              <a:t> </a:t>
-            </a:r>
-            <a:r>
-              <a:rPr lang="en-US" dirty="0" err="1"/>
-              <a:t>về</a:t>
-            </a:r>
-            <a:r>
-              <a:rPr lang="en-US" dirty="0"/>
-              <a:t> </a:t>
-            </a:r>
-            <a:r>
-              <a:rPr lang="en-US" dirty="0" err="1"/>
-              <a:t>NoSQL</a:t>
-            </a:r>
-            <a:r>
-              <a:rPr lang="en-US" dirty="0"/>
-              <a:t> </a:t>
-            </a:r>
-            <a:r>
-              <a:rPr lang="en-US" dirty="0" err="1"/>
-              <a:t>để</a:t>
-            </a:r>
-            <a:r>
-              <a:rPr lang="en-US" dirty="0"/>
-              <a:t> </a:t>
-            </a:r>
-            <a:r>
-              <a:rPr lang="en-US" dirty="0" err="1"/>
-              <a:t>xây</a:t>
-            </a:r>
-            <a:r>
-              <a:rPr lang="en-US" dirty="0"/>
+              <a:rPr lang="en-US" dirty="0" err="1" smtClean="0"/>
+              <a:t>Xây</a:t>
+            </a:r>
+            <a:r>
+              <a:rPr lang="en-US" dirty="0" smtClean="0"/>
               <a:t> </a:t>
             </a:r>
             <a:r>
@@ -54225,7 +53960,7 @@
         </p:blipFill>
         <p:spPr>
           <a:xfrm>
-            <a:off x="5334000" y="152400"/>
+            <a:off x="5334000" y="0"/>
             <a:ext cx="3200400" cy="2071687"/>
           </a:xfrm>
           <a:prstGeom prst="rect">
@@ -54620,7 +54355,21 @@
             </a:r>
             <a:r>
               <a:rPr lang="en-US" dirty="0"/>
-              <a:t> database: </a:t>
+              <a:t> </a:t>
+            </a:r>
+            <a:r>
+              <a:rPr lang="en-US" dirty="0" smtClean="0"/>
+              <a:t>database </a:t>
+            </a:r>
+            <a:r>
+              <a:rPr lang="en-US" dirty="0" smtClean="0">
+                <a:sym typeface="Wingdings" pitchFamily="2" charset="2"/>
+              </a:rPr>
+              <a:t></a:t>
+            </a:r>
+            <a:r>
+              <a:rPr lang="en-US" dirty="0" smtClean="0"/>
+              <a:t> </a:t>
             </a:r>
             <a:r>
               <a:rPr lang="en-US" dirty="0" err="1"/>
